--- a/year 3/Deep learning and Natural Language Processing/Lectures/4-TensorFlow.pptx
+++ b/year 3/Deep learning and Natural Language Processing/Lectures/4-TensorFlow.pptx
@@ -225,7 +225,7 @@
           <a:p>
             <a:fld id="{AC907512-5342-435D-B3A2-4CD2F0985ED6}" type="datetimeFigureOut">
               <a:rPr lang="en-US" smtClean="0"/>
-              <a:t>2/14/2021</a:t>
+              <a:t>11/15/2021</a:t>
             </a:fld>
             <a:endParaRPr lang="en-US"/>
           </a:p>
@@ -1097,7 +1097,7 @@
             <a:fld id="{1D8BD707-D9CF-40AE-B4C6-C98DA3205C09}" type="datetimeFigureOut">
               <a:rPr lang="en-US" smtClean="0"/>
               <a:pPr/>
-              <a:t>2/14/2021</a:t>
+              <a:t>11/15/2021</a:t>
             </a:fld>
             <a:endParaRPr lang="en-US"/>
           </a:p>
@@ -1262,7 +1262,7 @@
             <a:fld id="{1D8BD707-D9CF-40AE-B4C6-C98DA3205C09}" type="datetimeFigureOut">
               <a:rPr lang="en-US" smtClean="0"/>
               <a:pPr/>
-              <a:t>2/14/2021</a:t>
+              <a:t>11/15/2021</a:t>
             </a:fld>
             <a:endParaRPr lang="en-US"/>
           </a:p>
@@ -1437,7 +1437,7 @@
             <a:fld id="{1D8BD707-D9CF-40AE-B4C6-C98DA3205C09}" type="datetimeFigureOut">
               <a:rPr lang="en-US" smtClean="0"/>
               <a:pPr/>
-              <a:t>2/14/2021</a:t>
+              <a:t>11/15/2021</a:t>
             </a:fld>
             <a:endParaRPr lang="en-US"/>
           </a:p>
@@ -1602,7 +1602,7 @@
             <a:fld id="{1D8BD707-D9CF-40AE-B4C6-C98DA3205C09}" type="datetimeFigureOut">
               <a:rPr lang="en-US" smtClean="0"/>
               <a:pPr/>
-              <a:t>2/14/2021</a:t>
+              <a:t>11/15/2021</a:t>
             </a:fld>
             <a:endParaRPr lang="en-US"/>
           </a:p>
@@ -1844,7 +1844,7 @@
             <a:fld id="{1D8BD707-D9CF-40AE-B4C6-C98DA3205C09}" type="datetimeFigureOut">
               <a:rPr lang="en-US" smtClean="0"/>
               <a:pPr/>
-              <a:t>2/14/2021</a:t>
+              <a:t>11/15/2021</a:t>
             </a:fld>
             <a:endParaRPr lang="en-US"/>
           </a:p>
@@ -2126,7 +2126,7 @@
             <a:fld id="{1D8BD707-D9CF-40AE-B4C6-C98DA3205C09}" type="datetimeFigureOut">
               <a:rPr lang="en-US" smtClean="0"/>
               <a:pPr/>
-              <a:t>2/14/2021</a:t>
+              <a:t>11/15/2021</a:t>
             </a:fld>
             <a:endParaRPr lang="en-US"/>
           </a:p>
@@ -2542,7 +2542,7 @@
             <a:fld id="{1D8BD707-D9CF-40AE-B4C6-C98DA3205C09}" type="datetimeFigureOut">
               <a:rPr lang="en-US" smtClean="0"/>
               <a:pPr/>
-              <a:t>2/14/2021</a:t>
+              <a:t>11/15/2021</a:t>
             </a:fld>
             <a:endParaRPr lang="en-US"/>
           </a:p>
@@ -2656,7 +2656,7 @@
             <a:fld id="{1D8BD707-D9CF-40AE-B4C6-C98DA3205C09}" type="datetimeFigureOut">
               <a:rPr lang="en-US" smtClean="0"/>
               <a:pPr/>
-              <a:t>2/14/2021</a:t>
+              <a:t>11/15/2021</a:t>
             </a:fld>
             <a:endParaRPr lang="en-US"/>
           </a:p>
@@ -2748,7 +2748,7 @@
             <a:fld id="{1D8BD707-D9CF-40AE-B4C6-C98DA3205C09}" type="datetimeFigureOut">
               <a:rPr lang="en-US" smtClean="0"/>
               <a:pPr/>
-              <a:t>2/14/2021</a:t>
+              <a:t>11/15/2021</a:t>
             </a:fld>
             <a:endParaRPr lang="en-US"/>
           </a:p>
@@ -3020,7 +3020,7 @@
             <a:fld id="{1D8BD707-D9CF-40AE-B4C6-C98DA3205C09}" type="datetimeFigureOut">
               <a:rPr lang="en-US" smtClean="0"/>
               <a:pPr/>
-              <a:t>2/14/2021</a:t>
+              <a:t>11/15/2021</a:t>
             </a:fld>
             <a:endParaRPr lang="en-US"/>
           </a:p>
@@ -3269,7 +3269,7 @@
             <a:fld id="{1D8BD707-D9CF-40AE-B4C6-C98DA3205C09}" type="datetimeFigureOut">
               <a:rPr lang="en-US" smtClean="0"/>
               <a:pPr/>
-              <a:t>2/14/2021</a:t>
+              <a:t>11/15/2021</a:t>
             </a:fld>
             <a:endParaRPr lang="en-US"/>
           </a:p>
@@ -3477,7 +3477,7 @@
             <a:fld id="{1D8BD707-D9CF-40AE-B4C6-C98DA3205C09}" type="datetimeFigureOut">
               <a:rPr lang="en-US" smtClean="0"/>
               <a:pPr/>
-              <a:t>2/14/2021</a:t>
+              <a:t>11/15/2021</a:t>
             </a:fld>
             <a:endParaRPr lang="en-US"/>
           </a:p>
@@ -4031,7 +4031,7 @@
             </a:pPr>
             <a:r>
               <a:rPr lang="en-US" dirty="0"/>
-              <a:t>y = w*x</a:t>
+              <a:t>pred = w*x</a:t>
             </a:r>
           </a:p>
           <a:p>
@@ -4056,7 +4056,7 @@
             </a:r>
             <a:r>
               <a:rPr lang="en-US" dirty="0"/>
-              <a:t>(y - y_, 2))</a:t>
+              <a:t>(pred - y_, 2))</a:t>
             </a:r>
           </a:p>
           <a:p>
@@ -5110,7 +5110,7 @@
             </a:pPr>
             <a:r>
               <a:rPr lang="en-US" dirty="0"/>
-              <a:t>y = w*x</a:t>
+              <a:t>pred = w*x</a:t>
             </a:r>
           </a:p>
           <a:p>
@@ -5135,7 +5135,7 @@
             </a:r>
             <a:r>
               <a:rPr lang="en-US" dirty="0"/>
-              <a:t>(y - y_, 2))</a:t>
+              <a:t>(pred - y_, 2))</a:t>
             </a:r>
           </a:p>
           <a:p>
